--- a/projectpresentation.pptx
+++ b/projectpresentation.pptx
@@ -254,7 +254,7 @@
           <a:p>
             <a:fld id="{52818EB1-FF96-47AA-9A30-F1BFF2FFD1F7}" type="datetimeFigureOut">
               <a:rPr lang="en-US" smtClean="0"/>
-              <a:t>5/31/2023</a:t>
+              <a:t>6/1/2023</a:t>
             </a:fld>
             <a:endParaRPr lang="en-US" dirty="0"/>
           </a:p>
@@ -431,7 +431,7 @@
           <a:p>
             <a:fld id="{97E4A361-7934-4769-9B16-8A939698742C}" type="datetimeFigureOut">
               <a:rPr lang="en-US" smtClean="0"/>
-              <a:t>5/31/2023</a:t>
+              <a:t>6/1/2023</a:t>
             </a:fld>
             <a:endParaRPr lang="en-US" dirty="0"/>
           </a:p>
@@ -19210,9 +19210,54 @@
               <a:rPr lang="en-US" dirty="0">
                 <a:latin typeface="Times New Roman" panose="02020603050405020304" pitchFamily="18" charset="0"/>
                 <a:cs typeface="Times New Roman" panose="02020603050405020304" pitchFamily="18" charset="0"/>
+                <a:hlinkClick r:id="rId3"/>
               </a:rPr>
               <a:t>https://www.youtube.com/watch?v=mL-G6LZ6ZVs&amp;list=PLVBKjEIdL9buA8BUtYbAyXG9LCzBK7SIa</a:t>
             </a:r>
+            <a:endParaRPr lang="en-US" dirty="0">
+              <a:latin typeface="Times New Roman" panose="02020603050405020304" pitchFamily="18" charset="0"/>
+              <a:cs typeface="Times New Roman" panose="02020603050405020304" pitchFamily="18" charset="0"/>
+            </a:endParaRPr>
+          </a:p>
+          <a:p>
+            <a:pPr marL="285750" indent="-285750" algn="just">
+              <a:buFont typeface="Arial" panose="020B0604020202020204" pitchFamily="34" charset="0"/>
+              <a:buChar char="•"/>
+            </a:pPr>
+            <a:r>
+              <a:rPr lang="en-US" dirty="0">
+                <a:hlinkClick r:id="rId4"/>
+              </a:rPr>
+              <a:t>How to Create a Quiz Web Application with Python Django - </a:t>
+            </a:r>
+            <a:r>
+              <a:rPr lang="en-US" dirty="0" err="1">
+                <a:hlinkClick r:id="rId4"/>
+              </a:rPr>
+              <a:t>DataFlair</a:t>
+            </a:r>
+            <a:r>
+              <a:rPr lang="en-US" dirty="0">
+                <a:hlinkClick r:id="rId4"/>
+              </a:rPr>
+              <a:t> (data-</a:t>
+            </a:r>
+            <a:r>
+              <a:rPr lang="en-US" dirty="0" err="1">
+                <a:hlinkClick r:id="rId4"/>
+              </a:rPr>
+              <a:t>flair.training</a:t>
+            </a:r>
+            <a:r>
+              <a:rPr lang="en-US" dirty="0">
+                <a:hlinkClick r:id="rId4"/>
+              </a:rPr>
+              <a:t>)</a:t>
+            </a:r>
+            <a:endParaRPr lang="en-US" dirty="0">
+              <a:latin typeface="Times New Roman" panose="02020603050405020304" pitchFamily="18" charset="0"/>
+              <a:cs typeface="Times New Roman" panose="02020603050405020304" pitchFamily="18" charset="0"/>
+            </a:endParaRPr>
           </a:p>
         </p:txBody>
       </p:sp>
@@ -19233,7 +19278,7 @@
           </p:nvPr>
         </p:nvPicPr>
         <p:blipFill rotWithShape="1">
-          <a:blip r:embed="rId3" cstate="screen">
+          <a:blip r:embed="rId5" cstate="screen">
             <a:extLst>
               <a:ext uri="{28A0092B-C50C-407E-A947-70E740481C1C}">
                 <a14:useLocalDpi xmlns:a14="http://schemas.microsoft.com/office/drawing/2010/main" val="0"/>
@@ -22534,6 +22579,34 @@
 </file>
 
 <file path=customXml/item1.xml><?xml version="1.0" encoding="utf-8"?>
+<p:properties xmlns:p="http://schemas.microsoft.com/office/2006/metadata/properties" xmlns:xsi="http://www.w3.org/2001/XMLSchema-instance" xmlns:pc="http://schemas.microsoft.com/office/infopath/2007/PartnerControls">
+  <documentManagement>
+    <Status xmlns="71af3243-3dd4-4a8d-8c0d-dd76da1f02a5">Not started</Status>
+    <_ip_UnifiedCompliancePolicyUIAction xmlns="http://schemas.microsoft.com/sharepoint/v3" xsi:nil="true"/>
+    <Image xmlns="71af3243-3dd4-4a8d-8c0d-dd76da1f02a5">
+      <Url xsi:nil="true"/>
+      <Description xsi:nil="true"/>
+    </Image>
+    <_ip_UnifiedCompliancePolicyProperties xmlns="http://schemas.microsoft.com/sharepoint/v3" xsi:nil="true"/>
+    <ImageTagsTaxHTField xmlns="71af3243-3dd4-4a8d-8c0d-dd76da1f02a5">
+      <Terms xmlns="http://schemas.microsoft.com/office/infopath/2007/PartnerControls"/>
+    </ImageTagsTaxHTField>
+    <TaxCatchAll xmlns="230e9df3-be65-4c73-a93b-d1236ebd677e"/>
+    <MediaServiceKeyPoints xmlns="71af3243-3dd4-4a8d-8c0d-dd76da1f02a5" xsi:nil="true"/>
+  </documentManagement>
+</p:properties>
+</file>
+
+<file path=customXml/item2.xml><?xml version="1.0" encoding="utf-8"?>
+<?mso-contentType ?>
+<FormTemplates xmlns="http://schemas.microsoft.com/sharepoint/v3/contenttype/forms">
+  <Display>DocumentLibraryForm</Display>
+  <Edit>DocumentLibraryForm</Edit>
+  <New>DocumentLibraryForm</New>
+</FormTemplates>
+</file>
+
+<file path=customXml/item3.xml><?xml version="1.0" encoding="utf-8"?>
 <ct:contentTypeSchema xmlns:ct="http://schemas.microsoft.com/office/2006/metadata/contentType" xmlns:ma="http://schemas.microsoft.com/office/2006/metadata/properties/metaAttributes" ct:_="" ma:_="" ma:contentTypeName="Document" ma:contentTypeID="0x01010079F111ED35F8CC479449609E8A0923A6" ma:contentTypeVersion="20" ma:contentTypeDescription="Create a new document." ma:contentTypeScope="" ma:versionID="1267097ee5f5874adfcc408041ae252e">
   <xsd:schema xmlns:xsd="http://www.w3.org/2001/XMLSchema" xmlns:xs="http://www.w3.org/2001/XMLSchema" xmlns:p="http://schemas.microsoft.com/office/2006/metadata/properties" xmlns:ns1="http://schemas.microsoft.com/sharepoint/v3" xmlns:ns2="71af3243-3dd4-4a8d-8c0d-dd76da1f02a5" xmlns:ns3="16c05727-aa75-4e4a-9b5f-8a80a1165891" xmlns:ns4="230e9df3-be65-4c73-a93b-d1236ebd677e" targetNamespace="http://schemas.microsoft.com/office/2006/metadata/properties" ma:root="true" ma:fieldsID="395891a93df65b14727750f2c06c306c" ns1:_="" ns2:_="" ns3:_="" ns4:_="">
     <xsd:import namespace="http://schemas.microsoft.com/sharepoint/v3"/>
@@ -22809,35 +22882,27 @@
 </ct:contentTypeSchema>
 </file>
 
-<file path=customXml/item2.xml><?xml version="1.0" encoding="utf-8"?>
-<?mso-contentType ?>
-<FormTemplates xmlns="http://schemas.microsoft.com/sharepoint/v3/contenttype/forms">
-  <Display>DocumentLibraryForm</Display>
-  <Edit>DocumentLibraryForm</Edit>
-  <New>DocumentLibraryForm</New>
-</FormTemplates>
+<file path=customXml/itemProps1.xml><?xml version="1.0" encoding="utf-8"?>
+<ds:datastoreItem xmlns:ds="http://schemas.openxmlformats.org/officeDocument/2006/customXml" ds:itemID="{DBE6AE0A-D4B0-4A5B-9359-3C20E0AE6F61}">
+  <ds:schemaRefs>
+    <ds:schemaRef ds:uri="http://schemas.microsoft.com/office/2006/metadata/properties"/>
+    <ds:schemaRef ds:uri="http://schemas.microsoft.com/office/infopath/2007/PartnerControls"/>
+    <ds:schemaRef ds:uri="71af3243-3dd4-4a8d-8c0d-dd76da1f02a5"/>
+    <ds:schemaRef ds:uri="http://schemas.microsoft.com/sharepoint/v3"/>
+    <ds:schemaRef ds:uri="230e9df3-be65-4c73-a93b-d1236ebd677e"/>
+  </ds:schemaRefs>
+</ds:datastoreItem>
 </file>
 
-<file path=customXml/item3.xml><?xml version="1.0" encoding="utf-8"?>
-<p:properties xmlns:p="http://schemas.microsoft.com/office/2006/metadata/properties" xmlns:xsi="http://www.w3.org/2001/XMLSchema-instance" xmlns:pc="http://schemas.microsoft.com/office/infopath/2007/PartnerControls">
-  <documentManagement>
-    <Status xmlns="71af3243-3dd4-4a8d-8c0d-dd76da1f02a5">Not started</Status>
-    <_ip_UnifiedCompliancePolicyUIAction xmlns="http://schemas.microsoft.com/sharepoint/v3" xsi:nil="true"/>
-    <Image xmlns="71af3243-3dd4-4a8d-8c0d-dd76da1f02a5">
-      <Url xsi:nil="true"/>
-      <Description xsi:nil="true"/>
-    </Image>
-    <_ip_UnifiedCompliancePolicyProperties xmlns="http://schemas.microsoft.com/sharepoint/v3" xsi:nil="true"/>
-    <ImageTagsTaxHTField xmlns="71af3243-3dd4-4a8d-8c0d-dd76da1f02a5">
-      <Terms xmlns="http://schemas.microsoft.com/office/infopath/2007/PartnerControls"/>
-    </ImageTagsTaxHTField>
-    <TaxCatchAll xmlns="230e9df3-be65-4c73-a93b-d1236ebd677e"/>
-    <MediaServiceKeyPoints xmlns="71af3243-3dd4-4a8d-8c0d-dd76da1f02a5" xsi:nil="true"/>
-  </documentManagement>
-</p:properties>
+<file path=customXml/itemProps2.xml><?xml version="1.0" encoding="utf-8"?>
+<ds:datastoreItem xmlns:ds="http://schemas.openxmlformats.org/officeDocument/2006/customXml" ds:itemID="{E0C88140-B977-44ED-8877-83D5BCE76393}">
+  <ds:schemaRefs>
+    <ds:schemaRef ds:uri="http://schemas.microsoft.com/sharepoint/v3/contenttype/forms"/>
+  </ds:schemaRefs>
+</ds:datastoreItem>
 </file>
 
-<file path=customXml/itemProps1.xml><?xml version="1.0" encoding="utf-8"?>
+<file path=customXml/itemProps3.xml><?xml version="1.0" encoding="utf-8"?>
 <ds:datastoreItem xmlns:ds="http://schemas.openxmlformats.org/officeDocument/2006/customXml" ds:itemID="{34F12D6A-2BE8-4847-A724-6F141C79A2A0}">
   <ds:schemaRefs>
     <ds:schemaRef ds:uri="http://schemas.microsoft.com/office/2006/metadata/contentType"/>
@@ -22858,26 +22923,6 @@
 </ds:datastoreItem>
 </file>
 
-<file path=customXml/itemProps2.xml><?xml version="1.0" encoding="utf-8"?>
-<ds:datastoreItem xmlns:ds="http://schemas.openxmlformats.org/officeDocument/2006/customXml" ds:itemID="{E0C88140-B977-44ED-8877-83D5BCE76393}">
-  <ds:schemaRefs>
-    <ds:schemaRef ds:uri="http://schemas.microsoft.com/sharepoint/v3/contenttype/forms"/>
-  </ds:schemaRefs>
-</ds:datastoreItem>
-</file>
-
-<file path=customXml/itemProps3.xml><?xml version="1.0" encoding="utf-8"?>
-<ds:datastoreItem xmlns:ds="http://schemas.openxmlformats.org/officeDocument/2006/customXml" ds:itemID="{DBE6AE0A-D4B0-4A5B-9359-3C20E0AE6F61}">
-  <ds:schemaRefs>
-    <ds:schemaRef ds:uri="http://schemas.microsoft.com/office/2006/metadata/properties"/>
-    <ds:schemaRef ds:uri="http://schemas.microsoft.com/office/infopath/2007/PartnerControls"/>
-    <ds:schemaRef ds:uri="71af3243-3dd4-4a8d-8c0d-dd76da1f02a5"/>
-    <ds:schemaRef ds:uri="http://schemas.microsoft.com/sharepoint/v3"/>
-    <ds:schemaRef ds:uri="230e9df3-be65-4c73-a93b-d1236ebd677e"/>
-  </ds:schemaRefs>
-</ds:datastoreItem>
-</file>
-
 <file path=docMetadata/LabelInfo.xml><?xml version="1.0" encoding="utf-8"?>
 <clbl:labelList xmlns:clbl="http://schemas.microsoft.com/office/2020/mipLabelMetadata">
   <clbl:label id="{f42aa342-8706-4288-bd11-ebb85995028c}" enabled="1" method="Standard" siteId="{72f988bf-86f1-41af-91ab-2d7cd011db47}" removed="0"/>
